--- a/203_アジアンタム.pptx
+++ b/203_アジアンタム.pptx
@@ -280,7 +280,7 @@
           <a:p>
             <a:fld id="{A8A98465-64D1-4EBE-BEDE-FE44BBAE25FB}" type="datetimeFigureOut">
               <a:rPr kumimoji="1" lang="ja-JP" altLang="en-US" smtClean="0"/>
-              <a:t>2020/9/4</a:t>
+              <a:t>2020/9/9</a:t>
             </a:fld>
             <a:endParaRPr kumimoji="1" lang="ja-JP" altLang="en-US"/>
           </a:p>
@@ -482,7 +482,7 @@
           <a:p>
             <a:fld id="{A8A98465-64D1-4EBE-BEDE-FE44BBAE25FB}" type="datetimeFigureOut">
               <a:rPr kumimoji="1" lang="ja-JP" altLang="en-US" smtClean="0"/>
-              <a:t>2020/9/4</a:t>
+              <a:t>2020/9/9</a:t>
             </a:fld>
             <a:endParaRPr kumimoji="1" lang="ja-JP" altLang="en-US"/>
           </a:p>
@@ -694,7 +694,7 @@
           <a:p>
             <a:fld id="{A8A98465-64D1-4EBE-BEDE-FE44BBAE25FB}" type="datetimeFigureOut">
               <a:rPr kumimoji="1" lang="ja-JP" altLang="en-US" smtClean="0"/>
-              <a:t>2020/9/4</a:t>
+              <a:t>2020/9/9</a:t>
             </a:fld>
             <a:endParaRPr kumimoji="1" lang="ja-JP" altLang="en-US"/>
           </a:p>
@@ -1373,7 +1373,7 @@
           <a:p>
             <a:fld id="{A8A98465-64D1-4EBE-BEDE-FE44BBAE25FB}" type="datetimeFigureOut">
               <a:rPr kumimoji="1" lang="ja-JP" altLang="en-US" smtClean="0"/>
-              <a:t>2020/9/4</a:t>
+              <a:t>2020/9/9</a:t>
             </a:fld>
             <a:endParaRPr kumimoji="1" lang="ja-JP" altLang="en-US"/>
           </a:p>
@@ -1617,7 +1617,7 @@
           <a:p>
             <a:fld id="{A8A98465-64D1-4EBE-BEDE-FE44BBAE25FB}" type="datetimeFigureOut">
               <a:rPr kumimoji="1" lang="ja-JP" altLang="en-US" smtClean="0"/>
-              <a:t>2020/9/4</a:t>
+              <a:t>2020/9/9</a:t>
             </a:fld>
             <a:endParaRPr kumimoji="1" lang="ja-JP" altLang="en-US"/>
           </a:p>
@@ -1913,7 +1913,7 @@
           <a:p>
             <a:fld id="{A8A98465-64D1-4EBE-BEDE-FE44BBAE25FB}" type="datetimeFigureOut">
               <a:rPr kumimoji="1" lang="ja-JP" altLang="en-US" smtClean="0"/>
-              <a:t>2020/9/4</a:t>
+              <a:t>2020/9/9</a:t>
             </a:fld>
             <a:endParaRPr kumimoji="1" lang="ja-JP" altLang="en-US"/>
           </a:p>
@@ -2344,7 +2344,7 @@
           <a:p>
             <a:fld id="{A8A98465-64D1-4EBE-BEDE-FE44BBAE25FB}" type="datetimeFigureOut">
               <a:rPr kumimoji="1" lang="ja-JP" altLang="en-US" smtClean="0"/>
-              <a:t>2020/9/4</a:t>
+              <a:t>2020/9/9</a:t>
             </a:fld>
             <a:endParaRPr kumimoji="1" lang="ja-JP" altLang="en-US"/>
           </a:p>
@@ -2462,7 +2462,7 @@
           <a:p>
             <a:fld id="{A8A98465-64D1-4EBE-BEDE-FE44BBAE25FB}" type="datetimeFigureOut">
               <a:rPr kumimoji="1" lang="ja-JP" altLang="en-US" smtClean="0"/>
-              <a:t>2020/9/4</a:t>
+              <a:t>2020/9/9</a:t>
             </a:fld>
             <a:endParaRPr kumimoji="1" lang="ja-JP" altLang="en-US"/>
           </a:p>
@@ -2557,7 +2557,7 @@
           <a:p>
             <a:fld id="{A8A98465-64D1-4EBE-BEDE-FE44BBAE25FB}" type="datetimeFigureOut">
               <a:rPr kumimoji="1" lang="ja-JP" altLang="en-US" smtClean="0"/>
-              <a:t>2020/9/4</a:t>
+              <a:t>2020/9/9</a:t>
             </a:fld>
             <a:endParaRPr kumimoji="1" lang="ja-JP" altLang="en-US"/>
           </a:p>
@@ -2866,7 +2866,7 @@
           <a:p>
             <a:fld id="{A8A98465-64D1-4EBE-BEDE-FE44BBAE25FB}" type="datetimeFigureOut">
               <a:rPr kumimoji="1" lang="ja-JP" altLang="en-US" smtClean="0"/>
-              <a:t>2020/9/4</a:t>
+              <a:t>2020/9/9</a:t>
             </a:fld>
             <a:endParaRPr kumimoji="1" lang="ja-JP" altLang="en-US"/>
           </a:p>
@@ -3123,7 +3123,7 @@
           <a:p>
             <a:fld id="{A8A98465-64D1-4EBE-BEDE-FE44BBAE25FB}" type="datetimeFigureOut">
               <a:rPr kumimoji="1" lang="ja-JP" altLang="en-US" smtClean="0"/>
-              <a:t>2020/9/4</a:t>
+              <a:t>2020/9/9</a:t>
             </a:fld>
             <a:endParaRPr kumimoji="1" lang="ja-JP" altLang="en-US"/>
           </a:p>
@@ -3368,7 +3368,7 @@
           <a:p>
             <a:fld id="{A8A98465-64D1-4EBE-BEDE-FE44BBAE25FB}" type="datetimeFigureOut">
               <a:rPr kumimoji="1" lang="ja-JP" altLang="en-US" smtClean="0"/>
-              <a:t>2020/9/4</a:t>
+              <a:t>2020/9/9</a:t>
             </a:fld>
             <a:endParaRPr kumimoji="1" lang="ja-JP" altLang="en-US"/>
           </a:p>
@@ -3977,7 +3977,7 @@
         <p:spPr>
           <a:xfrm>
             <a:off x="1690438" y="7519471"/>
-            <a:ext cx="4493795" cy="307777"/>
+            <a:ext cx="4493795" cy="954107"/>
           </a:xfrm>
           <a:prstGeom prst="rect">
             <a:avLst/>
@@ -3991,8 +3991,24 @@
           <a:lstStyle/>
           <a:p>
             <a:r>
-              <a:rPr lang="en-US" altLang="ja-JP" sz="1400" dirty="0"/>
-              <a:t>※</a:t>
+              <a:rPr kumimoji="1" lang="ja-JP" altLang="en-US" sz="1400" dirty="0" smtClean="0"/>
+              <a:t>三種類のお札を駆使して敵を倒すゲームです。全ステージの敵を全滅させたらクリアになります。お札が無くなると負けてしまうので、敵とお札の属性を</a:t>
+            </a:r>
+            <a:r>
+              <a:rPr kumimoji="1" lang="ja-JP" altLang="en-US" sz="1400" smtClean="0"/>
+              <a:t>考慮し</a:t>
+            </a:r>
+            <a:r>
+              <a:rPr lang="ja-JP" altLang="en-US" sz="1400"/>
+              <a:t>て</a:t>
+            </a:r>
+            <a:r>
+              <a:rPr kumimoji="1" lang="ja-JP" altLang="en-US" sz="1400" smtClean="0"/>
+              <a:t>倒して</a:t>
+            </a:r>
+            <a:r>
+              <a:rPr kumimoji="1" lang="ja-JP" altLang="en-US" sz="1400" dirty="0" smtClean="0"/>
+              <a:t>ください。</a:t>
             </a:r>
             <a:endParaRPr kumimoji="1" lang="ja-JP" altLang="en-US" sz="1400" dirty="0"/>
           </a:p>
@@ -4110,7 +4126,7 @@
           <p:nvPr/>
         </p:nvPicPr>
         <p:blipFill>
-          <a:blip r:embed="rId2">
+          <a:blip r:embed="rId2" cstate="print">
             <a:extLst>
               <a:ext uri="{28A0092B-C50C-407E-A947-70E740481C1C}">
                 <a14:useLocalDpi xmlns:a14="http://schemas.microsoft.com/office/drawing/2010/main" val="0"/>
@@ -4123,8 +4139,128 @@
         </p:blipFill>
         <p:spPr>
           <a:xfrm>
-            <a:off x="363414" y="849423"/>
-            <a:ext cx="6107723" cy="3493392"/>
+            <a:off x="332935" y="818943"/>
+            <a:ext cx="4006943" cy="1792177"/>
+          </a:xfrm>
+          <a:prstGeom prst="rect">
+            <a:avLst/>
+          </a:prstGeom>
+        </p:spPr>
+      </p:pic>
+      <p:pic>
+        <p:nvPicPr>
+          <p:cNvPr id="3" name="図 2"/>
+          <p:cNvPicPr>
+            <a:picLocks noChangeAspect="1"/>
+          </p:cNvPicPr>
+          <p:nvPr/>
+        </p:nvPicPr>
+        <p:blipFill>
+          <a:blip r:embed="rId3" cstate="print">
+            <a:extLst>
+              <a:ext uri="{28A0092B-C50C-407E-A947-70E740481C1C}">
+                <a14:useLocalDpi xmlns:a14="http://schemas.microsoft.com/office/drawing/2010/main" val="0"/>
+              </a:ext>
+            </a:extLst>
+          </a:blip>
+          <a:stretch>
+            <a:fillRect/>
+          </a:stretch>
+        </p:blipFill>
+        <p:spPr>
+          <a:xfrm>
+            <a:off x="4339878" y="737991"/>
+            <a:ext cx="2105734" cy="1993779"/>
+          </a:xfrm>
+          <a:prstGeom prst="rect">
+            <a:avLst/>
+          </a:prstGeom>
+        </p:spPr>
+      </p:pic>
+      <p:pic>
+        <p:nvPicPr>
+          <p:cNvPr id="4" name="図 3"/>
+          <p:cNvPicPr>
+            <a:picLocks noChangeAspect="1"/>
+          </p:cNvPicPr>
+          <p:nvPr/>
+        </p:nvPicPr>
+        <p:blipFill>
+          <a:blip r:embed="rId4" cstate="print">
+            <a:extLst>
+              <a:ext uri="{28A0092B-C50C-407E-A947-70E740481C1C}">
+                <a14:useLocalDpi xmlns:a14="http://schemas.microsoft.com/office/drawing/2010/main" val="0"/>
+              </a:ext>
+            </a:extLst>
+          </a:blip>
+          <a:stretch>
+            <a:fillRect/>
+          </a:stretch>
+        </p:blipFill>
+        <p:spPr>
+          <a:xfrm>
+            <a:off x="4324350" y="2507462"/>
+            <a:ext cx="2151449" cy="1879133"/>
+          </a:xfrm>
+          <a:prstGeom prst="rect">
+            <a:avLst/>
+          </a:prstGeom>
+        </p:spPr>
+      </p:pic>
+      <p:pic>
+        <p:nvPicPr>
+          <p:cNvPr id="5" name="図 4"/>
+          <p:cNvPicPr>
+            <a:picLocks noChangeAspect="1"/>
+          </p:cNvPicPr>
+          <p:nvPr/>
+        </p:nvPicPr>
+        <p:blipFill>
+          <a:blip r:embed="rId5" cstate="print">
+            <a:extLst>
+              <a:ext uri="{28A0092B-C50C-407E-A947-70E740481C1C}">
+                <a14:useLocalDpi xmlns:a14="http://schemas.microsoft.com/office/drawing/2010/main" val="0"/>
+              </a:ext>
+            </a:extLst>
+          </a:blip>
+          <a:stretch>
+            <a:fillRect/>
+          </a:stretch>
+        </p:blipFill>
+        <p:spPr>
+          <a:xfrm>
+            <a:off x="2317785" y="2512542"/>
+            <a:ext cx="2077431" cy="1865747"/>
+          </a:xfrm>
+          <a:prstGeom prst="rect">
+            <a:avLst/>
+          </a:prstGeom>
+        </p:spPr>
+      </p:pic>
+      <p:pic>
+        <p:nvPicPr>
+          <p:cNvPr id="6" name="図 5"/>
+          <p:cNvPicPr>
+            <a:picLocks noChangeAspect="1"/>
+          </p:cNvPicPr>
+          <p:nvPr/>
+        </p:nvPicPr>
+        <p:blipFill>
+          <a:blip r:embed="rId6" cstate="print">
+            <a:extLst>
+              <a:ext uri="{28A0092B-C50C-407E-A947-70E740481C1C}">
+                <a14:useLocalDpi xmlns:a14="http://schemas.microsoft.com/office/drawing/2010/main" val="0"/>
+              </a:ext>
+            </a:extLst>
+          </a:blip>
+          <a:stretch>
+            <a:fillRect/>
+          </a:stretch>
+        </p:blipFill>
+        <p:spPr>
+          <a:xfrm>
+            <a:off x="314646" y="2511552"/>
+            <a:ext cx="2093274" cy="1867879"/>
           </a:xfrm>
           <a:prstGeom prst="rect">
             <a:avLst/>
@@ -4406,21 +4542,6 @@
 </file>
 
 <file path=customXml/item1.xml><?xml version="1.0" encoding="utf-8"?>
-<p:properties xmlns:p="http://schemas.microsoft.com/office/2006/metadata/properties" xmlns:xsi="http://www.w3.org/2001/XMLSchema-instance" xmlns:pc="http://schemas.microsoft.com/office/infopath/2007/PartnerControls">
-  <documentManagement/>
-</p:properties>
-</file>
-
-<file path=customXml/item2.xml><?xml version="1.0" encoding="utf-8"?>
-<?mso-contentType ?>
-<FormTemplates xmlns="http://schemas.microsoft.com/sharepoint/v3/contenttype/forms">
-  <Display>DocumentLibraryForm</Display>
-  <Edit>DocumentLibraryForm</Edit>
-  <New>DocumentLibraryForm</New>
-</FormTemplates>
-</file>
-
-<file path=customXml/item3.xml><?xml version="1.0" encoding="utf-8"?>
 <ct:contentTypeSchema xmlns:ct="http://schemas.microsoft.com/office/2006/metadata/contentType" xmlns:ma="http://schemas.microsoft.com/office/2006/metadata/properties/metaAttributes" ct:_="" ma:_="" ma:contentTypeName="ドキュメント" ma:contentTypeID="0x010100C2961D859B1A8B4697EC07BF3C3DAD3B" ma:contentTypeVersion="4" ma:contentTypeDescription="新しいドキュメントを作成します。" ma:contentTypeScope="" ma:versionID="d905b8fd267481716e4ddb5748f26a6b">
   <xsd:schema xmlns:xsd="http://www.w3.org/2001/XMLSchema" xmlns:xs="http://www.w3.org/2001/XMLSchema" xmlns:p="http://schemas.microsoft.com/office/2006/metadata/properties" xmlns:ns2="02709b60-37ec-424b-b681-c6612ac7fe32" xmlns:ns3="f9048785-d070-4c78-8f2f-ed2b48eb345c" targetNamespace="http://schemas.microsoft.com/office/2006/metadata/properties" ma:root="true" ma:fieldsID="496056635cbca25273c0ad558be424b7" ns2:_="" ns3:_="">
     <xsd:import namespace="02709b60-37ec-424b-b681-c6612ac7fe32"/>
@@ -4585,24 +4706,22 @@
 </ct:contentTypeSchema>
 </file>
 
-<file path=customXml/itemProps1.xml><?xml version="1.0" encoding="utf-8"?>
-<ds:datastoreItem xmlns:ds="http://schemas.openxmlformats.org/officeDocument/2006/customXml" ds:itemID="{AF3E3745-5691-4964-B0EA-105ACF4E7E86}">
-  <ds:schemaRefs>
-    <ds:schemaRef ds:uri="http://schemas.microsoft.com/office/2006/metadata/properties"/>
-    <ds:schemaRef ds:uri="http://schemas.microsoft.com/office/infopath/2007/PartnerControls"/>
-  </ds:schemaRefs>
-</ds:datastoreItem>
+<file path=customXml/item2.xml><?xml version="1.0" encoding="utf-8"?>
+<?mso-contentType ?>
+<FormTemplates xmlns="http://schemas.microsoft.com/sharepoint/v3/contenttype/forms">
+  <Display>DocumentLibraryForm</Display>
+  <Edit>DocumentLibraryForm</Edit>
+  <New>DocumentLibraryForm</New>
+</FormTemplates>
 </file>
 
-<file path=customXml/itemProps2.xml><?xml version="1.0" encoding="utf-8"?>
-<ds:datastoreItem xmlns:ds="http://schemas.openxmlformats.org/officeDocument/2006/customXml" ds:itemID="{9BAFA694-163B-4471-A81E-3066ABE36709}">
-  <ds:schemaRefs>
-    <ds:schemaRef ds:uri="http://schemas.microsoft.com/sharepoint/v3/contenttype/forms"/>
-  </ds:schemaRefs>
-</ds:datastoreItem>
+<file path=customXml/item3.xml><?xml version="1.0" encoding="utf-8"?>
+<p:properties xmlns:p="http://schemas.microsoft.com/office/2006/metadata/properties" xmlns:xsi="http://www.w3.org/2001/XMLSchema-instance" xmlns:pc="http://schemas.microsoft.com/office/infopath/2007/PartnerControls">
+  <documentManagement/>
+</p:properties>
 </file>
 
-<file path=customXml/itemProps3.xml><?xml version="1.0" encoding="utf-8"?>
+<file path=customXml/itemProps1.xml><?xml version="1.0" encoding="utf-8"?>
 <ds:datastoreItem xmlns:ds="http://schemas.openxmlformats.org/officeDocument/2006/customXml" ds:itemID="{D220A753-C2A9-48A1-8FD6-8F4EE5AA9331}">
   <ds:schemaRefs>
     <ds:schemaRef ds:uri="http://schemas.microsoft.com/office/2006/metadata/contentType"/>
@@ -4619,4 +4738,29 @@
     <ds:schemaRef ds:uri="http://schemas.microsoft.com/internal/obd"/>
   </ds:schemaRefs>
 </ds:datastoreItem>
+</file>
+
+<file path=customXml/itemProps2.xml><?xml version="1.0" encoding="utf-8"?>
+<ds:datastoreItem xmlns:ds="http://schemas.openxmlformats.org/officeDocument/2006/customXml" ds:itemID="{9BAFA694-163B-4471-A81E-3066ABE36709}">
+  <ds:schemaRefs>
+    <ds:schemaRef ds:uri="http://schemas.microsoft.com/sharepoint/v3/contenttype/forms"/>
+  </ds:schemaRefs>
+</ds:datastoreItem>
+</file>
+
+<file path=customXml/itemProps3.xml><?xml version="1.0" encoding="utf-8"?>
+<ds:datastoreItem xmlns:ds="http://schemas.openxmlformats.org/officeDocument/2006/customXml" ds:itemID="{AF3E3745-5691-4964-B0EA-105ACF4E7E86}">
+  <ds:schemaRefs>
+    <ds:schemaRef ds:uri="http://purl.org/dc/elements/1.1/"/>
+    <ds:schemaRef ds:uri="http://schemas.microsoft.com/office/2006/metadata/properties"/>
+    <ds:schemaRef ds:uri="http://schemas.microsoft.com/office/2006/documentManagement/types"/>
+    <ds:schemaRef ds:uri="02709b60-37ec-424b-b681-c6612ac7fe32"/>
+    <ds:schemaRef ds:uri="http://purl.org/dc/dcmitype/"/>
+    <ds:schemaRef ds:uri="f9048785-d070-4c78-8f2f-ed2b48eb345c"/>
+    <ds:schemaRef ds:uri="http://schemas.microsoft.com/office/infopath/2007/PartnerControls"/>
+    <ds:schemaRef ds:uri="http://schemas.openxmlformats.org/package/2006/metadata/core-properties"/>
+    <ds:schemaRef ds:uri="http://www.w3.org/XML/1998/namespace"/>
+    <ds:schemaRef ds:uri="http://purl.org/dc/terms/"/>
+  </ds:schemaRefs>
+</ds:datastoreItem>
 </file>
--- a/203_アジアンタム.pptx
+++ b/203_アジアンタム.pptx
@@ -4261,6 +4261,36 @@
           <a:xfrm>
             <a:off x="314646" y="2511552"/>
             <a:ext cx="2093274" cy="1867879"/>
+          </a:xfrm>
+          <a:prstGeom prst="rect">
+            <a:avLst/>
+          </a:prstGeom>
+        </p:spPr>
+      </p:pic>
+      <p:pic>
+        <p:nvPicPr>
+          <p:cNvPr id="7" name="図 6"/>
+          <p:cNvPicPr>
+            <a:picLocks noChangeAspect="1"/>
+          </p:cNvPicPr>
+          <p:nvPr/>
+        </p:nvPicPr>
+        <p:blipFill>
+          <a:blip r:embed="rId7" cstate="print">
+            <a:extLst>
+              <a:ext uri="{28A0092B-C50C-407E-A947-70E740481C1C}">
+                <a14:useLocalDpi xmlns:a14="http://schemas.microsoft.com/office/drawing/2010/main" val="0"/>
+              </a:ext>
+            </a:extLst>
+          </a:blip>
+          <a:stretch>
+            <a:fillRect/>
+          </a:stretch>
+        </p:blipFill>
+        <p:spPr>
+          <a:xfrm flipV="1">
+            <a:off x="4590288" y="5596482"/>
+            <a:ext cx="1615846" cy="1615846"/>
           </a:xfrm>
           <a:prstGeom prst="rect">
             <a:avLst/>
@@ -4751,12 +4781,12 @@
 <file path=customXml/itemProps3.xml><?xml version="1.0" encoding="utf-8"?>
 <ds:datastoreItem xmlns:ds="http://schemas.openxmlformats.org/officeDocument/2006/customXml" ds:itemID="{AF3E3745-5691-4964-B0EA-105ACF4E7E86}">
   <ds:schemaRefs>
-    <ds:schemaRef ds:uri="http://purl.org/dc/elements/1.1/"/>
-    <ds:schemaRef ds:uri="http://schemas.microsoft.com/office/2006/metadata/properties"/>
     <ds:schemaRef ds:uri="http://schemas.microsoft.com/office/2006/documentManagement/types"/>
     <ds:schemaRef ds:uri="02709b60-37ec-424b-b681-c6612ac7fe32"/>
     <ds:schemaRef ds:uri="http://purl.org/dc/dcmitype/"/>
     <ds:schemaRef ds:uri="f9048785-d070-4c78-8f2f-ed2b48eb345c"/>
+    <ds:schemaRef ds:uri="http://purl.org/dc/elements/1.1/"/>
+    <ds:schemaRef ds:uri="http://schemas.microsoft.com/office/2006/metadata/properties"/>
     <ds:schemaRef ds:uri="http://schemas.microsoft.com/office/infopath/2007/PartnerControls"/>
     <ds:schemaRef ds:uri="http://schemas.openxmlformats.org/package/2006/metadata/core-properties"/>
     <ds:schemaRef ds:uri="http://www.w3.org/XML/1998/namespace"/>
